--- a/resources/reversi_dfd.pptx
+++ b/resources/reversi_dfd.pptx
@@ -240,7 +240,7 @@
             <a:fld id="{70F7C501-E592-48D8-A132-2FF85739325E}" type="datetimeFigureOut">
               <a:rPr lang="de-CH" smtClean="0"/>
               <a:pPr/>
-              <a:t>11.09.2015</a:t>
+              <a:t>29.09.2015</a:t>
             </a:fld>
             <a:endParaRPr lang="de-CH"/>
           </a:p>
@@ -292,7 +292,7 @@
     </p:spTree>
     <p:extLst>
       <p:ext uri="{BB962C8B-B14F-4D97-AF65-F5344CB8AC3E}">
-        <p14:creationId xmlns:p14="http://schemas.microsoft.com/office/powerpoint/2010/main" xmlns="" val="2455390778"/>
+        <p14:creationId xmlns:p14="http://schemas.microsoft.com/office/powerpoint/2010/main" val="2455390778"/>
       </p:ext>
     </p:extLst>
   </p:cSld>
@@ -412,7 +412,7 @@
             <a:fld id="{70F7C501-E592-48D8-A132-2FF85739325E}" type="datetimeFigureOut">
               <a:rPr lang="de-CH" smtClean="0"/>
               <a:pPr/>
-              <a:t>11.09.2015</a:t>
+              <a:t>29.09.2015</a:t>
             </a:fld>
             <a:endParaRPr lang="de-CH"/>
           </a:p>
@@ -464,7 +464,7 @@
     </p:spTree>
     <p:extLst>
       <p:ext uri="{BB962C8B-B14F-4D97-AF65-F5344CB8AC3E}">
-        <p14:creationId xmlns:p14="http://schemas.microsoft.com/office/powerpoint/2010/main" xmlns="" val="2269552029"/>
+        <p14:creationId xmlns:p14="http://schemas.microsoft.com/office/powerpoint/2010/main" val="2269552029"/>
       </p:ext>
     </p:extLst>
   </p:cSld>
@@ -594,7 +594,7 @@
             <a:fld id="{70F7C501-E592-48D8-A132-2FF85739325E}" type="datetimeFigureOut">
               <a:rPr lang="de-CH" smtClean="0"/>
               <a:pPr/>
-              <a:t>11.09.2015</a:t>
+              <a:t>29.09.2015</a:t>
             </a:fld>
             <a:endParaRPr lang="de-CH"/>
           </a:p>
@@ -646,7 +646,7 @@
     </p:spTree>
     <p:extLst>
       <p:ext uri="{BB962C8B-B14F-4D97-AF65-F5344CB8AC3E}">
-        <p14:creationId xmlns:p14="http://schemas.microsoft.com/office/powerpoint/2010/main" xmlns="" val="1193042459"/>
+        <p14:creationId xmlns:p14="http://schemas.microsoft.com/office/powerpoint/2010/main" val="1193042459"/>
       </p:ext>
     </p:extLst>
   </p:cSld>
@@ -766,7 +766,7 @@
             <a:fld id="{70F7C501-E592-48D8-A132-2FF85739325E}" type="datetimeFigureOut">
               <a:rPr lang="de-CH" smtClean="0"/>
               <a:pPr/>
-              <a:t>11.09.2015</a:t>
+              <a:t>29.09.2015</a:t>
             </a:fld>
             <a:endParaRPr lang="de-CH"/>
           </a:p>
@@ -818,7 +818,7 @@
     </p:spTree>
     <p:extLst>
       <p:ext uri="{BB962C8B-B14F-4D97-AF65-F5344CB8AC3E}">
-        <p14:creationId xmlns:p14="http://schemas.microsoft.com/office/powerpoint/2010/main" xmlns="" val="3613667486"/>
+        <p14:creationId xmlns:p14="http://schemas.microsoft.com/office/powerpoint/2010/main" val="3613667486"/>
       </p:ext>
     </p:extLst>
   </p:cSld>
@@ -1014,7 +1014,7 @@
             <a:fld id="{70F7C501-E592-48D8-A132-2FF85739325E}" type="datetimeFigureOut">
               <a:rPr lang="de-CH" smtClean="0"/>
               <a:pPr/>
-              <a:t>11.09.2015</a:t>
+              <a:t>29.09.2015</a:t>
             </a:fld>
             <a:endParaRPr lang="de-CH"/>
           </a:p>
@@ -1066,7 +1066,7 @@
     </p:spTree>
     <p:extLst>
       <p:ext uri="{BB962C8B-B14F-4D97-AF65-F5344CB8AC3E}">
-        <p14:creationId xmlns:p14="http://schemas.microsoft.com/office/powerpoint/2010/main" xmlns="" val="55208019"/>
+        <p14:creationId xmlns:p14="http://schemas.microsoft.com/office/powerpoint/2010/main" val="55208019"/>
       </p:ext>
     </p:extLst>
   </p:cSld>
@@ -1248,7 +1248,7 @@
             <a:fld id="{70F7C501-E592-48D8-A132-2FF85739325E}" type="datetimeFigureOut">
               <a:rPr lang="de-CH" smtClean="0"/>
               <a:pPr/>
-              <a:t>11.09.2015</a:t>
+              <a:t>29.09.2015</a:t>
             </a:fld>
             <a:endParaRPr lang="de-CH"/>
           </a:p>
@@ -1300,7 +1300,7 @@
     </p:spTree>
     <p:extLst>
       <p:ext uri="{BB962C8B-B14F-4D97-AF65-F5344CB8AC3E}">
-        <p14:creationId xmlns:p14="http://schemas.microsoft.com/office/powerpoint/2010/main" xmlns="" val="2719086021"/>
+        <p14:creationId xmlns:p14="http://schemas.microsoft.com/office/powerpoint/2010/main" val="2719086021"/>
       </p:ext>
     </p:extLst>
   </p:cSld>
@@ -1617,7 +1617,7 @@
             <a:fld id="{70F7C501-E592-48D8-A132-2FF85739325E}" type="datetimeFigureOut">
               <a:rPr lang="de-CH" smtClean="0"/>
               <a:pPr/>
-              <a:t>11.09.2015</a:t>
+              <a:t>29.09.2015</a:t>
             </a:fld>
             <a:endParaRPr lang="de-CH"/>
           </a:p>
@@ -1669,7 +1669,7 @@
     </p:spTree>
     <p:extLst>
       <p:ext uri="{BB962C8B-B14F-4D97-AF65-F5344CB8AC3E}">
-        <p14:creationId xmlns:p14="http://schemas.microsoft.com/office/powerpoint/2010/main" xmlns="" val="3909854009"/>
+        <p14:creationId xmlns:p14="http://schemas.microsoft.com/office/powerpoint/2010/main" val="3909854009"/>
       </p:ext>
     </p:extLst>
   </p:cSld>
@@ -1737,7 +1737,7 @@
             <a:fld id="{70F7C501-E592-48D8-A132-2FF85739325E}" type="datetimeFigureOut">
               <a:rPr lang="de-CH" smtClean="0"/>
               <a:pPr/>
-              <a:t>11.09.2015</a:t>
+              <a:t>29.09.2015</a:t>
             </a:fld>
             <a:endParaRPr lang="de-CH"/>
           </a:p>
@@ -1789,7 +1789,7 @@
     </p:spTree>
     <p:extLst>
       <p:ext uri="{BB962C8B-B14F-4D97-AF65-F5344CB8AC3E}">
-        <p14:creationId xmlns:p14="http://schemas.microsoft.com/office/powerpoint/2010/main" xmlns="" val="1786006030"/>
+        <p14:creationId xmlns:p14="http://schemas.microsoft.com/office/powerpoint/2010/main" val="1786006030"/>
       </p:ext>
     </p:extLst>
   </p:cSld>
@@ -1834,7 +1834,7 @@
             <a:fld id="{70F7C501-E592-48D8-A132-2FF85739325E}" type="datetimeFigureOut">
               <a:rPr lang="de-CH" smtClean="0"/>
               <a:pPr/>
-              <a:t>11.09.2015</a:t>
+              <a:t>29.09.2015</a:t>
             </a:fld>
             <a:endParaRPr lang="de-CH"/>
           </a:p>
@@ -1886,7 +1886,7 @@
     </p:spTree>
     <p:extLst>
       <p:ext uri="{BB962C8B-B14F-4D97-AF65-F5344CB8AC3E}">
-        <p14:creationId xmlns:p14="http://schemas.microsoft.com/office/powerpoint/2010/main" xmlns="" val="937112482"/>
+        <p14:creationId xmlns:p14="http://schemas.microsoft.com/office/powerpoint/2010/main" val="937112482"/>
       </p:ext>
     </p:extLst>
   </p:cSld>
@@ -2113,7 +2113,7 @@
             <a:fld id="{70F7C501-E592-48D8-A132-2FF85739325E}" type="datetimeFigureOut">
               <a:rPr lang="de-CH" smtClean="0"/>
               <a:pPr/>
-              <a:t>11.09.2015</a:t>
+              <a:t>29.09.2015</a:t>
             </a:fld>
             <a:endParaRPr lang="de-CH"/>
           </a:p>
@@ -2165,7 +2165,7 @@
     </p:spTree>
     <p:extLst>
       <p:ext uri="{BB962C8B-B14F-4D97-AF65-F5344CB8AC3E}">
-        <p14:creationId xmlns:p14="http://schemas.microsoft.com/office/powerpoint/2010/main" xmlns="" val="936207451"/>
+        <p14:creationId xmlns:p14="http://schemas.microsoft.com/office/powerpoint/2010/main" val="936207451"/>
       </p:ext>
     </p:extLst>
   </p:cSld>
@@ -2368,7 +2368,7 @@
             <a:fld id="{70F7C501-E592-48D8-A132-2FF85739325E}" type="datetimeFigureOut">
               <a:rPr lang="de-CH" smtClean="0"/>
               <a:pPr/>
-              <a:t>11.09.2015</a:t>
+              <a:t>29.09.2015</a:t>
             </a:fld>
             <a:endParaRPr lang="de-CH"/>
           </a:p>
@@ -2420,7 +2420,7 @@
     </p:spTree>
     <p:extLst>
       <p:ext uri="{BB962C8B-B14F-4D97-AF65-F5344CB8AC3E}">
-        <p14:creationId xmlns:p14="http://schemas.microsoft.com/office/powerpoint/2010/main" xmlns="" val="1321789479"/>
+        <p14:creationId xmlns:p14="http://schemas.microsoft.com/office/powerpoint/2010/main" val="1321789479"/>
       </p:ext>
     </p:extLst>
   </p:cSld>
@@ -2583,7 +2583,7 @@
             <a:fld id="{70F7C501-E592-48D8-A132-2FF85739325E}" type="datetimeFigureOut">
               <a:rPr lang="de-CH" smtClean="0"/>
               <a:pPr/>
-              <a:t>11.09.2015</a:t>
+              <a:t>29.09.2015</a:t>
             </a:fld>
             <a:endParaRPr lang="de-CH"/>
           </a:p>
@@ -2671,7 +2671,7 @@
     </p:spTree>
     <p:extLst>
       <p:ext uri="{BB962C8B-B14F-4D97-AF65-F5344CB8AC3E}">
-        <p14:creationId xmlns:p14="http://schemas.microsoft.com/office/powerpoint/2010/main" xmlns="" val="877374790"/>
+        <p14:creationId xmlns:p14="http://schemas.microsoft.com/office/powerpoint/2010/main" val="877374790"/>
       </p:ext>
     </p:extLst>
   </p:cSld>
@@ -3210,7 +3210,13 @@
           <a:prstGeom prst="straightConnector1">
             <a:avLst/>
           </a:prstGeom>
-          <a:ln>
+          <a:ln w="28575">
+            <a:solidFill>
+              <a:schemeClr val="tx1">
+                <a:lumMod val="95000"/>
+                <a:lumOff val="5000"/>
+              </a:schemeClr>
+            </a:solidFill>
             <a:tailEnd type="triangle"/>
           </a:ln>
         </p:spPr>
@@ -3324,7 +3330,13 @@
               <a:gd name="adj1" fmla="val 50000"/>
             </a:avLst>
           </a:prstGeom>
-          <a:ln>
+          <a:ln w="28575">
+            <a:solidFill>
+              <a:schemeClr val="tx1">
+                <a:lumMod val="95000"/>
+                <a:lumOff val="5000"/>
+              </a:schemeClr>
+            </a:solidFill>
             <a:tailEnd type="triangle"/>
           </a:ln>
         </p:spPr>
@@ -3457,7 +3469,18 @@
           <a:p>
             <a:r>
               <a:rPr lang="de-CH" dirty="0" err="1" smtClean="0"/>
-              <a:t>signinUnknownUser</a:t>
+              <a:t>signinUnknown</a:t>
+            </a:r>
+            <a:r>
+              <a:rPr lang="de-CH" dirty="0" smtClean="0"/>
+              <a:t/>
+            </a:r>
+            <a:br>
+              <a:rPr lang="de-CH" dirty="0" smtClean="0"/>
+            </a:br>
+            <a:r>
+              <a:rPr lang="de-CH" dirty="0" smtClean="0"/>
+              <a:t>User</a:t>
             </a:r>
             <a:endParaRPr lang="de-CH" dirty="0" smtClean="0"/>
           </a:p>
@@ -3482,7 +3505,13 @@
               <a:gd name="adj1" fmla="val 50000"/>
             </a:avLst>
           </a:prstGeom>
-          <a:ln>
+          <a:ln w="28575">
+            <a:solidFill>
+              <a:schemeClr val="tx1">
+                <a:lumMod val="95000"/>
+                <a:lumOff val="5000"/>
+              </a:schemeClr>
+            </a:solidFill>
             <a:tailEnd type="triangle"/>
           </a:ln>
         </p:spPr>
@@ -3520,7 +3549,13 @@
               <a:gd name="adj1" fmla="val 50000"/>
             </a:avLst>
           </a:prstGeom>
-          <a:ln>
+          <a:ln w="28575">
+            <a:solidFill>
+              <a:schemeClr val="tx1">
+                <a:lumMod val="95000"/>
+                <a:lumOff val="5000"/>
+              </a:schemeClr>
+            </a:solidFill>
             <a:tailEnd type="triangle"/>
           </a:ln>
         </p:spPr>
@@ -3558,7 +3593,13 @@
               <a:gd name="adj1" fmla="val 50000"/>
             </a:avLst>
           </a:prstGeom>
-          <a:ln>
+          <a:ln w="28575">
+            <a:solidFill>
+              <a:schemeClr val="tx1">
+                <a:lumMod val="95000"/>
+                <a:lumOff val="5000"/>
+              </a:schemeClr>
+            </a:solidFill>
             <a:tailEnd type="triangle"/>
           </a:ln>
         </p:spPr>
@@ -3651,7 +3692,18 @@
           <a:p>
             <a:r>
               <a:rPr lang="de-CH" dirty="0" err="1" smtClean="0"/>
-              <a:t>registerNameOccupied</a:t>
+              <a:t>registerName</a:t>
+            </a:r>
+            <a:r>
+              <a:rPr lang="de-CH" dirty="0" smtClean="0"/>
+              <a:t/>
+            </a:r>
+            <a:br>
+              <a:rPr lang="de-CH" dirty="0" smtClean="0"/>
+            </a:br>
+            <a:r>
+              <a:rPr lang="de-CH" dirty="0" err="1" smtClean="0"/>
+              <a:t>Occupied</a:t>
             </a:r>
             <a:endParaRPr lang="de-CH" dirty="0" smtClean="0"/>
           </a:p>
@@ -3718,7 +3770,13 @@
               <a:gd name="adj3" fmla="val 124779"/>
             </a:avLst>
           </a:prstGeom>
-          <a:ln>
+          <a:ln w="28575">
+            <a:solidFill>
+              <a:schemeClr val="tx1">
+                <a:lumMod val="95000"/>
+                <a:lumOff val="5000"/>
+              </a:schemeClr>
+            </a:solidFill>
             <a:tailEnd type="triangle"/>
           </a:ln>
         </p:spPr>
@@ -3758,7 +3816,13 @@
               <a:gd name="adj3" fmla="val 119754"/>
             </a:avLst>
           </a:prstGeom>
-          <a:ln>
+          <a:ln w="28575">
+            <a:solidFill>
+              <a:schemeClr val="tx1">
+                <a:lumMod val="95000"/>
+                <a:lumOff val="5000"/>
+              </a:schemeClr>
+            </a:solidFill>
             <a:tailEnd type="triangle"/>
           </a:ln>
         </p:spPr>
@@ -3796,7 +3860,13 @@
               <a:gd name="adj1" fmla="val 50000"/>
             </a:avLst>
           </a:prstGeom>
-          <a:ln>
+          <a:ln w="28575">
+            <a:solidFill>
+              <a:schemeClr val="tx1">
+                <a:lumMod val="95000"/>
+                <a:lumOff val="5000"/>
+              </a:schemeClr>
+            </a:solidFill>
             <a:tailEnd type="triangle"/>
           </a:ln>
         </p:spPr>
@@ -3834,7 +3904,13 @@
               <a:gd name="adj1" fmla="val 50000"/>
             </a:avLst>
           </a:prstGeom>
-          <a:ln>
+          <a:ln w="28575">
+            <a:solidFill>
+              <a:schemeClr val="tx1">
+                <a:lumMod val="95000"/>
+                <a:lumOff val="5000"/>
+              </a:schemeClr>
+            </a:solidFill>
             <a:tailEnd type="triangle"/>
           </a:ln>
         </p:spPr>
@@ -3874,7 +3950,13 @@
               <a:gd name="adj3" fmla="val 119754"/>
             </a:avLst>
           </a:prstGeom>
-          <a:ln>
+          <a:ln w="28575">
+            <a:solidFill>
+              <a:schemeClr val="tx1">
+                <a:lumMod val="95000"/>
+                <a:lumOff val="5000"/>
+              </a:schemeClr>
+            </a:solidFill>
             <a:tailEnd type="triangle"/>
           </a:ln>
         </p:spPr>
@@ -3912,7 +3994,13 @@
               <a:gd name="adj1" fmla="val 50000"/>
             </a:avLst>
           </a:prstGeom>
-          <a:ln>
+          <a:ln w="28575">
+            <a:solidFill>
+              <a:schemeClr val="tx1">
+                <a:lumMod val="95000"/>
+                <a:lumOff val="5000"/>
+              </a:schemeClr>
+            </a:solidFill>
             <a:tailEnd type="triangle"/>
           </a:ln>
         </p:spPr>
@@ -3990,7 +4078,13 @@
               <a:gd name="adj1" fmla="val 50000"/>
             </a:avLst>
           </a:prstGeom>
-          <a:ln>
+          <a:ln w="28575">
+            <a:solidFill>
+              <a:schemeClr val="tx1">
+                <a:lumMod val="95000"/>
+                <a:lumOff val="5000"/>
+              </a:schemeClr>
+            </a:solidFill>
             <a:tailEnd type="triangle"/>
           </a:ln>
         </p:spPr>
@@ -4028,7 +4122,13 @@
               <a:gd name="adj1" fmla="val 86962"/>
             </a:avLst>
           </a:prstGeom>
-          <a:ln>
+          <a:ln w="28575">
+            <a:solidFill>
+              <a:schemeClr val="tx1">
+                <a:lumMod val="95000"/>
+                <a:lumOff val="5000"/>
+              </a:schemeClr>
+            </a:solidFill>
             <a:tailEnd type="triangle"/>
           </a:ln>
         </p:spPr>
@@ -4249,11 +4349,7 @@
             </a:r>
             <a:r>
               <a:rPr lang="de-CH" dirty="0" smtClean="0"/>
-              <a:t> </a:t>
-            </a:r>
-            <a:r>
-              <a:rPr lang="de-CH" dirty="0" smtClean="0"/>
-              <a:t>*</a:t>
+              <a:t> *</a:t>
             </a:r>
             <a:endParaRPr lang="de-CH" dirty="0"/>
           </a:p>
@@ -4278,7 +4374,13 @@
               <a:gd name="adj1" fmla="val 50000"/>
             </a:avLst>
           </a:prstGeom>
-          <a:ln>
+          <a:ln w="28575">
+            <a:solidFill>
+              <a:schemeClr val="tx1">
+                <a:lumMod val="95000"/>
+                <a:lumOff val="5000"/>
+              </a:schemeClr>
+            </a:solidFill>
             <a:tailEnd type="triangle"/>
           </a:ln>
         </p:spPr>
@@ -4316,7 +4418,13 @@
               <a:gd name="adj1" fmla="val 50000"/>
             </a:avLst>
           </a:prstGeom>
-          <a:ln>
+          <a:ln w="28575">
+            <a:solidFill>
+              <a:schemeClr val="tx1">
+                <a:lumMod val="95000"/>
+                <a:lumOff val="5000"/>
+              </a:schemeClr>
+            </a:solidFill>
             <a:tailEnd type="triangle"/>
           </a:ln>
         </p:spPr>
@@ -4354,7 +4462,13 @@
               <a:gd name="adj1" fmla="val 50000"/>
             </a:avLst>
           </a:prstGeom>
-          <a:ln>
+          <a:ln w="28575">
+            <a:solidFill>
+              <a:schemeClr val="tx1">
+                <a:lumMod val="95000"/>
+                <a:lumOff val="5000"/>
+              </a:schemeClr>
+            </a:solidFill>
             <a:tailEnd type="triangle"/>
           </a:ln>
         </p:spPr>
@@ -4392,7 +4506,13 @@
               <a:gd name="adj1" fmla="val 50000"/>
             </a:avLst>
           </a:prstGeom>
-          <a:ln>
+          <a:ln w="28575">
+            <a:solidFill>
+              <a:schemeClr val="tx1">
+                <a:lumMod val="95000"/>
+                <a:lumOff val="5000"/>
+              </a:schemeClr>
+            </a:solidFill>
             <a:tailEnd type="triangle"/>
           </a:ln>
         </p:spPr>
@@ -4430,7 +4550,13 @@
               <a:gd name="adj1" fmla="val 50000"/>
             </a:avLst>
           </a:prstGeom>
-          <a:ln>
+          <a:ln w="28575">
+            <a:solidFill>
+              <a:schemeClr val="tx1">
+                <a:lumMod val="95000"/>
+                <a:lumOff val="5000"/>
+              </a:schemeClr>
+            </a:solidFill>
             <a:tailEnd type="triangle"/>
           </a:ln>
         </p:spPr>
@@ -4470,7 +4596,13 @@
               <a:gd name="adj3" fmla="val 105724"/>
             </a:avLst>
           </a:prstGeom>
-          <a:ln>
+          <a:ln w="28575">
+            <a:solidFill>
+              <a:schemeClr val="tx1">
+                <a:lumMod val="95000"/>
+                <a:lumOff val="5000"/>
+              </a:schemeClr>
+            </a:solidFill>
             <a:tailEnd type="triangle"/>
           </a:ln>
         </p:spPr>
@@ -4510,7 +4642,13 @@
               <a:gd name="adj3" fmla="val 113927"/>
             </a:avLst>
           </a:prstGeom>
-          <a:ln>
+          <a:ln w="28575">
+            <a:solidFill>
+              <a:schemeClr val="tx1">
+                <a:lumMod val="95000"/>
+                <a:lumOff val="5000"/>
+              </a:schemeClr>
+            </a:solidFill>
             <a:tailEnd type="triangle"/>
           </a:ln>
         </p:spPr>
@@ -4588,7 +4726,13 @@
               <a:gd name="adj1" fmla="val 50000"/>
             </a:avLst>
           </a:prstGeom>
-          <a:ln>
+          <a:ln w="28575">
+            <a:solidFill>
+              <a:schemeClr val="tx1">
+                <a:lumMod val="95000"/>
+                <a:lumOff val="5000"/>
+              </a:schemeClr>
+            </a:solidFill>
             <a:tailEnd type="triangle"/>
           </a:ln>
         </p:spPr>
@@ -4666,7 +4810,13 @@
               <a:gd name="adj1" fmla="val 50000"/>
             </a:avLst>
           </a:prstGeom>
-          <a:ln>
+          <a:ln w="28575">
+            <a:solidFill>
+              <a:schemeClr val="tx1">
+                <a:lumMod val="95000"/>
+                <a:lumOff val="5000"/>
+              </a:schemeClr>
+            </a:solidFill>
             <a:tailEnd type="triangle"/>
           </a:ln>
         </p:spPr>
@@ -4807,20 +4957,12 @@
               <a:rPr lang="de-CH" dirty="0" smtClean="0"/>
               <a:t>)</a:t>
             </a:r>
-            <a:r>
-              <a:rPr lang="de-CH" dirty="0" smtClean="0"/>
-              <a:t/>
-            </a:r>
             <a:br>
               <a:rPr lang="de-CH" dirty="0" smtClean="0"/>
             </a:br>
             <a:r>
               <a:rPr lang="de-CH" dirty="0" smtClean="0"/>
-              <a:t>    </a:t>
-            </a:r>
-            <a:r>
-              <a:rPr lang="de-CH" dirty="0" smtClean="0"/>
-              <a:t>Event (</a:t>
+              <a:t>    Event (</a:t>
             </a:r>
             <a:r>
               <a:rPr lang="de-CH" dirty="0" err="1" smtClean="0"/>
@@ -4846,7 +4988,6 @@
               <a:rPr lang="de-CH" dirty="0" smtClean="0"/>
               <a:t>)</a:t>
             </a:r>
-            <a:endParaRPr lang="de-CH" dirty="0" smtClean="0"/>
           </a:p>
           <a:p>
             <a:r>
@@ -4859,13 +5000,20 @@
     </p:spTree>
     <p:extLst>
       <p:ext uri="{BB962C8B-B14F-4D97-AF65-F5344CB8AC3E}">
-        <p14:creationId xmlns:p14="http://schemas.microsoft.com/office/powerpoint/2010/main" xmlns="" val="1481686182"/>
+        <p14:creationId xmlns:p14="http://schemas.microsoft.com/office/powerpoint/2010/main" val="1481686182"/>
       </p:ext>
     </p:extLst>
   </p:cSld>
   <p:clrMapOvr>
     <a:masterClrMapping/>
   </p:clrMapOvr>
+  <p:timing>
+    <p:tnLst>
+      <p:par>
+        <p:cTn id="1" dur="indefinite" restart="never" nodeType="tmRoot"/>
+      </p:par>
+    </p:tnLst>
+  </p:timing>
 </p:sld>
 </file>
 
@@ -6389,11 +6537,7 @@
             </a:r>
             <a:r>
               <a:rPr lang="de-CH" dirty="0" smtClean="0"/>
-              <a:t> </a:t>
-            </a:r>
-            <a:r>
-              <a:rPr lang="de-CH" dirty="0" smtClean="0"/>
-              <a:t>*</a:t>
+              <a:t> *</a:t>
             </a:r>
             <a:endParaRPr lang="de-CH" dirty="0"/>
           </a:p>
@@ -6947,20 +7091,12 @@
               <a:rPr lang="de-CH" dirty="0" smtClean="0"/>
               <a:t>)</a:t>
             </a:r>
-            <a:r>
-              <a:rPr lang="de-CH" dirty="0" smtClean="0"/>
-              <a:t/>
-            </a:r>
             <a:br>
               <a:rPr lang="de-CH" dirty="0" smtClean="0"/>
             </a:br>
             <a:r>
               <a:rPr lang="de-CH" dirty="0" smtClean="0"/>
-              <a:t>    </a:t>
-            </a:r>
-            <a:r>
-              <a:rPr lang="de-CH" dirty="0" smtClean="0"/>
-              <a:t>Event (</a:t>
+              <a:t>    Event (</a:t>
             </a:r>
             <a:r>
               <a:rPr lang="de-CH" dirty="0" err="1" smtClean="0"/>
@@ -6986,7 +7122,6 @@
               <a:rPr lang="de-CH" dirty="0" smtClean="0"/>
               <a:t>)</a:t>
             </a:r>
-            <a:endParaRPr lang="de-CH" dirty="0" smtClean="0"/>
           </a:p>
           <a:p>
             <a:r>
@@ -7001,6 +7136,13 @@
   <p:clrMapOvr>
     <a:masterClrMapping/>
   </p:clrMapOvr>
+  <p:timing>
+    <p:tnLst>
+      <p:par>
+        <p:cTn id="1" dur="indefinite" restart="never" nodeType="tmRoot"/>
+      </p:par>
+    </p:tnLst>
+  </p:timing>
 </p:sld>
 </file>
 
@@ -7259,7 +7401,7 @@
   <a:extraClrSchemeLst/>
   <a:extLst>
     <a:ext uri="{05A4C25C-085E-4340-85A3-A5531E510DB2}">
-      <thm15:themeFamily xmlns:thm15="http://schemas.microsoft.com/office/thememl/2012/main" xmlns="" name="Office Theme" id="{62F939B6-93AF-4DB8-9C6B-D6C7DFDC589F}" vid="{4A3C46E8-61CC-4603-A589-7422A47A8E4A}"/>
+      <thm15:themeFamily xmlns="" xmlns:thm15="http://schemas.microsoft.com/office/thememl/2012/main" name="Office Theme" id="{62F939B6-93AF-4DB8-9C6B-D6C7DFDC589F}" vid="{4A3C46E8-61CC-4603-A589-7422A47A8E4A}"/>
     </a:ext>
   </a:extLst>
 </a:theme>
